--- a/files/slides/lecture_23.pptx
+++ b/files/slides/lecture_23.pptx
@@ -5369,7 +5369,7 @@
             <a:r>
               <a:rPr lang="zh-CN" altLang="en-US" sz="2400">
                 <a:solidFill>
-                  <a:srgbClr val="FF0000"/>
+                  <a:srgbClr val="00B0F0"/>
                 </a:solidFill>
                 <a:latin typeface="微软雅黑" panose="020B0503020204020204" charset="-122"/>
                 <a:ea typeface="微软雅黑" panose="020B0503020204020204" charset="-122"/>
@@ -5402,7 +5402,41 @@
                 <a:latin typeface="微软雅黑" panose="020B0503020204020204" charset="-122"/>
                 <a:ea typeface="微软雅黑" panose="020B0503020204020204" charset="-122"/>
               </a:rPr>
-              <a:t>市场监督管理局与其他部门共享监管信息和数据，对失信者实施协同监管和联合惩戒，具体措施包括对当事人的市场准入和任职资格限制、融资限制、高消费限制、限制参与政府采购、限制参与工程招投标、限制土地招投标、限制取得政府资金支持等。</a:t>
+              <a:t>市场监督管理局与其他部门</a:t>
+            </a:r>
+            <a:r>
+              <a:rPr lang="zh-CN" altLang="en-US" sz="2400">
+                <a:solidFill>
+                  <a:srgbClr val="00B0F0"/>
+                </a:solidFill>
+                <a:latin typeface="微软雅黑" panose="020B0503020204020204" charset="-122"/>
+                <a:ea typeface="微软雅黑" panose="020B0503020204020204" charset="-122"/>
+              </a:rPr>
+              <a:t>共享监管信息和数据</a:t>
+            </a:r>
+            <a:r>
+              <a:rPr lang="zh-CN" altLang="en-US" sz="2400">
+                <a:latin typeface="微软雅黑" panose="020B0503020204020204" charset="-122"/>
+                <a:ea typeface="微软雅黑" panose="020B0503020204020204" charset="-122"/>
+              </a:rPr>
+              <a:t>，对失信者实施协同</a:t>
+            </a:r>
+            <a:r>
+              <a:rPr lang="zh-CN" altLang="en-US" sz="2400">
+                <a:solidFill>
+                  <a:srgbClr val="00B0F0"/>
+                </a:solidFill>
+                <a:latin typeface="微软雅黑" panose="020B0503020204020204" charset="-122"/>
+                <a:ea typeface="微软雅黑" panose="020B0503020204020204" charset="-122"/>
+              </a:rPr>
+              <a:t>监管和联合惩戒</a:t>
+            </a:r>
+            <a:r>
+              <a:rPr lang="zh-CN" altLang="en-US" sz="2400">
+                <a:latin typeface="微软雅黑" panose="020B0503020204020204" charset="-122"/>
+                <a:ea typeface="微软雅黑" panose="020B0503020204020204" charset="-122"/>
+              </a:rPr>
+              <a:t>，具体措施包括：对当事人的市场准入和任职资格限制、融资限制、高消费限制、限制参与政府采购、限制参与工程招投标、限制土地招投标、限制取得政府资金支持等。</a:t>
             </a:r>
             <a:endParaRPr lang="zh-CN" altLang="en-US" sz="2400">
               <a:latin typeface="微软雅黑" panose="020B0503020204020204" charset="-122"/>
@@ -5423,7 +5457,143 @@
                 <a:latin typeface="微软雅黑" panose="020B0503020204020204" charset="-122"/>
                 <a:ea typeface="微软雅黑" panose="020B0503020204020204" charset="-122"/>
               </a:rPr>
-              <a:t>市场监督管理局依据监察企业信用指标所反映的信用状况，将企业信用标准分为守信标准、警示标准、失信标准和严重失信标准，实施分类管理。信用监管指标由市场准入、经营行为和市场退出三方面构成。</a:t>
+              <a:t>市场监督管理局依据监察企业信用指标所反映的信用状况，将企业信用标准分为</a:t>
+            </a:r>
+            <a:r>
+              <a:rPr lang="zh-CN" altLang="en-US" sz="2400">
+                <a:solidFill>
+                  <a:srgbClr val="00B0F0"/>
+                </a:solidFill>
+                <a:latin typeface="微软雅黑" panose="020B0503020204020204" charset="-122"/>
+                <a:ea typeface="微软雅黑" panose="020B0503020204020204" charset="-122"/>
+              </a:rPr>
+              <a:t>守信</a:t>
+            </a:r>
+            <a:r>
+              <a:rPr lang="zh-CN" altLang="en-US" sz="2400">
+                <a:latin typeface="微软雅黑" panose="020B0503020204020204" charset="-122"/>
+                <a:ea typeface="微软雅黑" panose="020B0503020204020204" charset="-122"/>
+              </a:rPr>
+              <a:t>标准、</a:t>
+            </a:r>
+            <a:r>
+              <a:rPr lang="zh-CN" altLang="en-US" sz="2400">
+                <a:solidFill>
+                  <a:srgbClr val="00B0F0"/>
+                </a:solidFill>
+                <a:latin typeface="微软雅黑" panose="020B0503020204020204" charset="-122"/>
+                <a:ea typeface="微软雅黑" panose="020B0503020204020204" charset="-122"/>
+              </a:rPr>
+              <a:t>警示</a:t>
+            </a:r>
+            <a:r>
+              <a:rPr lang="zh-CN" altLang="en-US" sz="2400">
+                <a:latin typeface="微软雅黑" panose="020B0503020204020204" charset="-122"/>
+                <a:ea typeface="微软雅黑" panose="020B0503020204020204" charset="-122"/>
+              </a:rPr>
+              <a:t>标准、</a:t>
+            </a:r>
+            <a:r>
+              <a:rPr lang="zh-CN" altLang="en-US" sz="2400">
+                <a:solidFill>
+                  <a:srgbClr val="00B0F0"/>
+                </a:solidFill>
+                <a:latin typeface="微软雅黑" panose="020B0503020204020204" charset="-122"/>
+                <a:ea typeface="微软雅黑" panose="020B0503020204020204" charset="-122"/>
+              </a:rPr>
+              <a:t>失信</a:t>
+            </a:r>
+            <a:r>
+              <a:rPr lang="zh-CN" altLang="en-US" sz="2400">
+                <a:latin typeface="微软雅黑" panose="020B0503020204020204" charset="-122"/>
+                <a:ea typeface="微软雅黑" panose="020B0503020204020204" charset="-122"/>
+              </a:rPr>
+              <a:t>标准和</a:t>
+            </a:r>
+            <a:r>
+              <a:rPr lang="zh-CN" altLang="en-US" sz="2400">
+                <a:solidFill>
+                  <a:srgbClr val="00B0F0"/>
+                </a:solidFill>
+                <a:latin typeface="微软雅黑" panose="020B0503020204020204" charset="-122"/>
+                <a:ea typeface="微软雅黑" panose="020B0503020204020204" charset="-122"/>
+              </a:rPr>
+              <a:t>严重失信</a:t>
+            </a:r>
+            <a:r>
+              <a:rPr lang="zh-CN" altLang="en-US" sz="2400">
+                <a:latin typeface="微软雅黑" panose="020B0503020204020204" charset="-122"/>
+                <a:ea typeface="微软雅黑" panose="020B0503020204020204" charset="-122"/>
+              </a:rPr>
+              <a:t>标准，实施</a:t>
+            </a:r>
+            <a:r>
+              <a:rPr lang="zh-CN" altLang="en-US" sz="2400">
+                <a:solidFill>
+                  <a:srgbClr val="00B0F0"/>
+                </a:solidFill>
+                <a:latin typeface="微软雅黑" panose="020B0503020204020204" charset="-122"/>
+                <a:ea typeface="微软雅黑" panose="020B0503020204020204" charset="-122"/>
+              </a:rPr>
+              <a:t>分类管理</a:t>
+            </a:r>
+            <a:r>
+              <a:rPr lang="zh-CN" altLang="en-US" sz="2400">
+                <a:latin typeface="微软雅黑" panose="020B0503020204020204" charset="-122"/>
+                <a:ea typeface="微软雅黑" panose="020B0503020204020204" charset="-122"/>
+              </a:rPr>
+              <a:t>。信用监管指标由</a:t>
+            </a:r>
+            <a:r>
+              <a:rPr lang="zh-CN" altLang="en-US" sz="2400">
+                <a:solidFill>
+                  <a:srgbClr val="00B0F0"/>
+                </a:solidFill>
+                <a:latin typeface="微软雅黑" panose="020B0503020204020204" charset="-122"/>
+                <a:ea typeface="微软雅黑" panose="020B0503020204020204" charset="-122"/>
+              </a:rPr>
+              <a:t>市场准入</a:t>
+            </a:r>
+            <a:r>
+              <a:rPr lang="zh-CN" altLang="en-US" sz="2400">
+                <a:latin typeface="微软雅黑" panose="020B0503020204020204" charset="-122"/>
+                <a:ea typeface="微软雅黑" panose="020B0503020204020204" charset="-122"/>
+              </a:rPr>
+              <a:t>、</a:t>
+            </a:r>
+            <a:r>
+              <a:rPr lang="zh-CN" altLang="en-US" sz="2400">
+                <a:solidFill>
+                  <a:srgbClr val="00B0F0"/>
+                </a:solidFill>
+                <a:latin typeface="微软雅黑" panose="020B0503020204020204" charset="-122"/>
+                <a:ea typeface="微软雅黑" panose="020B0503020204020204" charset="-122"/>
+              </a:rPr>
+              <a:t>经营行为</a:t>
+            </a:r>
+            <a:r>
+              <a:rPr lang="zh-CN" altLang="en-US" sz="2400">
+                <a:latin typeface="微软雅黑" panose="020B0503020204020204" charset="-122"/>
+                <a:ea typeface="微软雅黑" panose="020B0503020204020204" charset="-122"/>
+              </a:rPr>
+              <a:t>和</a:t>
+            </a:r>
+            <a:r>
+              <a:rPr lang="zh-CN" altLang="en-US" sz="2400">
+                <a:solidFill>
+                  <a:srgbClr val="00B0F0"/>
+                </a:solidFill>
+                <a:latin typeface="微软雅黑" panose="020B0503020204020204" charset="-122"/>
+                <a:ea typeface="微软雅黑" panose="020B0503020204020204" charset="-122"/>
+              </a:rPr>
+              <a:t>市场退出</a:t>
+            </a:r>
+            <a:r>
+              <a:rPr lang="zh-CN" altLang="en-US" sz="2400">
+                <a:latin typeface="微软雅黑" panose="020B0503020204020204" charset="-122"/>
+                <a:ea typeface="微软雅黑" panose="020B0503020204020204" charset="-122"/>
+              </a:rPr>
+              <a:t>三方面构成。</a:t>
             </a:r>
             <a:endParaRPr lang="zh-CN" altLang="en-US" sz="2400">
               <a:latin typeface="微软雅黑" panose="020B0503020204020204" charset="-122"/>
@@ -6901,7 +7071,51 @@
                 <a:ea typeface="微软雅黑" panose="020B0503020204020204" charset="-122"/>
                 <a:cs typeface="微软雅黑" panose="020B0503020204020204" charset="-122"/>
               </a:rPr>
-              <a:t>税务局对企业的信用监管主要体现在督促企业依法纳税，评定纳税信用等级。</a:t>
+              <a:t>税务局对企业的信用监管主要体现在督促企业</a:t>
+            </a:r>
+            <a:r>
+              <a:rPr kumimoji="0" lang="zh-CN" altLang="zh-CN" sz="2000" i="0" u="none" strike="noStrike" kern="1200" cap="none" spc="0" normalizeH="0" baseline="0" noProof="1" dirty="0">
+                <a:solidFill>
+                  <a:srgbClr val="00B0F0"/>
+                </a:solidFill>
+                <a:latin typeface="微软雅黑" panose="020B0503020204020204" charset="-122"/>
+                <a:ea typeface="微软雅黑" panose="020B0503020204020204" charset="-122"/>
+                <a:cs typeface="微软雅黑" panose="020B0503020204020204" charset="-122"/>
+              </a:rPr>
+              <a:t>依法纳税</a:t>
+            </a:r>
+            <a:r>
+              <a:rPr kumimoji="0" lang="zh-CN" altLang="zh-CN" sz="2000" i="0" u="none" strike="noStrike" kern="1200" cap="none" spc="0" normalizeH="0" baseline="0" noProof="1" dirty="0">
+                <a:solidFill>
+                  <a:srgbClr val="000000"/>
+                </a:solidFill>
+                <a:latin typeface="微软雅黑" panose="020B0503020204020204" charset="-122"/>
+                <a:ea typeface="微软雅黑" panose="020B0503020204020204" charset="-122"/>
+                <a:cs typeface="微软雅黑" panose="020B0503020204020204" charset="-122"/>
+              </a:rPr>
+              <a:t>，</a:t>
+            </a:r>
+            <a:r>
+              <a:rPr kumimoji="0" lang="zh-CN" altLang="zh-CN" sz="2000" i="0" u="none" strike="noStrike" kern="1200" cap="none" spc="0" normalizeH="0" baseline="0" noProof="1" dirty="0">
+                <a:solidFill>
+                  <a:srgbClr val="00B0F0"/>
+                </a:solidFill>
+                <a:latin typeface="微软雅黑" panose="020B0503020204020204" charset="-122"/>
+                <a:ea typeface="微软雅黑" panose="020B0503020204020204" charset="-122"/>
+                <a:cs typeface="微软雅黑" panose="020B0503020204020204" charset="-122"/>
+              </a:rPr>
+              <a:t>评定纳税信用等级</a:t>
+            </a:r>
+            <a:r>
+              <a:rPr kumimoji="0" lang="zh-CN" altLang="zh-CN" sz="2000" i="0" u="none" strike="noStrike" kern="1200" cap="none" spc="0" normalizeH="0" baseline="0" noProof="1" dirty="0">
+                <a:solidFill>
+                  <a:srgbClr val="000000"/>
+                </a:solidFill>
+                <a:latin typeface="微软雅黑" panose="020B0503020204020204" charset="-122"/>
+                <a:ea typeface="微软雅黑" panose="020B0503020204020204" charset="-122"/>
+                <a:cs typeface="微软雅黑" panose="020B0503020204020204" charset="-122"/>
+              </a:rPr>
+              <a:t>。</a:t>
             </a:r>
             <a:endParaRPr kumimoji="0" lang="zh-CN" altLang="zh-CN" sz="2000" i="0" u="none" strike="noStrike" kern="1200" cap="none" spc="0" normalizeH="0" baseline="0" noProof="1" dirty="0">
               <a:solidFill>
@@ -6939,7 +7153,73 @@
                 <a:ea typeface="微软雅黑" panose="020B0503020204020204" charset="-122"/>
                 <a:cs typeface="微软雅黑" panose="020B0503020204020204" charset="-122"/>
               </a:rPr>
-              <a:t>税务局依据纳税人遵守税收法律、行政法规以及接受税务机关依据税收法律、行政法规的规定进行管理的情况评定纳税信用等级。</a:t>
+              <a:t>税务局依据纳税人</a:t>
+            </a:r>
+            <a:r>
+              <a:rPr kumimoji="0" lang="zh-CN" altLang="zh-CN" sz="2000" i="0" u="none" strike="noStrike" kern="1200" cap="none" spc="0" normalizeH="0" baseline="0" noProof="1" dirty="0">
+                <a:solidFill>
+                  <a:srgbClr val="00B0F0"/>
+                </a:solidFill>
+                <a:latin typeface="微软雅黑" panose="020B0503020204020204" charset="-122"/>
+                <a:ea typeface="微软雅黑" panose="020B0503020204020204" charset="-122"/>
+                <a:cs typeface="微软雅黑" panose="020B0503020204020204" charset="-122"/>
+              </a:rPr>
+              <a:t>遵守</a:t>
+            </a:r>
+            <a:r>
+              <a:rPr kumimoji="0" lang="zh-CN" altLang="zh-CN" sz="2000" i="0" u="none" strike="noStrike" kern="1200" cap="none" spc="0" normalizeH="0" baseline="0" noProof="1" dirty="0">
+                <a:solidFill>
+                  <a:srgbClr val="000000"/>
+                </a:solidFill>
+                <a:latin typeface="微软雅黑" panose="020B0503020204020204" charset="-122"/>
+                <a:ea typeface="微软雅黑" panose="020B0503020204020204" charset="-122"/>
+                <a:cs typeface="微软雅黑" panose="020B0503020204020204" charset="-122"/>
+              </a:rPr>
+              <a:t>税收法律、行政法规以及</a:t>
+            </a:r>
+            <a:r>
+              <a:rPr kumimoji="0" lang="zh-CN" altLang="zh-CN" sz="2000" i="0" u="none" strike="noStrike" kern="1200" cap="none" spc="0" normalizeH="0" baseline="0" noProof="1" dirty="0">
+                <a:solidFill>
+                  <a:srgbClr val="00B0F0"/>
+                </a:solidFill>
+                <a:latin typeface="微软雅黑" panose="020B0503020204020204" charset="-122"/>
+                <a:ea typeface="微软雅黑" panose="020B0503020204020204" charset="-122"/>
+                <a:cs typeface="微软雅黑" panose="020B0503020204020204" charset="-122"/>
+              </a:rPr>
+              <a:t>接受</a:t>
+            </a:r>
+            <a:r>
+              <a:rPr kumimoji="0" lang="zh-CN" altLang="zh-CN" sz="2000" i="0" u="none" strike="noStrike" kern="1200" cap="none" spc="0" normalizeH="0" baseline="0" noProof="1" dirty="0">
+                <a:solidFill>
+                  <a:srgbClr val="000000"/>
+                </a:solidFill>
+                <a:latin typeface="微软雅黑" panose="020B0503020204020204" charset="-122"/>
+                <a:ea typeface="微软雅黑" panose="020B0503020204020204" charset="-122"/>
+                <a:cs typeface="微软雅黑" panose="020B0503020204020204" charset="-122"/>
+              </a:rPr>
+              <a:t>税务机关依据税收法律、行政法规的规定进行</a:t>
+            </a:r>
+            <a:r>
+              <a:rPr kumimoji="0" lang="zh-CN" altLang="zh-CN" sz="2000" i="0" u="none" strike="noStrike" kern="1200" cap="none" spc="0" normalizeH="0" baseline="0" noProof="1" dirty="0">
+                <a:solidFill>
+                  <a:srgbClr val="00B0F0"/>
+                </a:solidFill>
+                <a:latin typeface="微软雅黑" panose="020B0503020204020204" charset="-122"/>
+                <a:ea typeface="微软雅黑" panose="020B0503020204020204" charset="-122"/>
+                <a:cs typeface="微软雅黑" panose="020B0503020204020204" charset="-122"/>
+              </a:rPr>
+              <a:t>管理的情况</a:t>
+            </a:r>
+            <a:r>
+              <a:rPr kumimoji="0" lang="zh-CN" altLang="zh-CN" sz="2000" i="0" u="none" strike="noStrike" kern="1200" cap="none" spc="0" normalizeH="0" baseline="0" noProof="1" dirty="0">
+                <a:solidFill>
+                  <a:srgbClr val="000000"/>
+                </a:solidFill>
+                <a:latin typeface="微软雅黑" panose="020B0503020204020204" charset="-122"/>
+                <a:ea typeface="微软雅黑" panose="020B0503020204020204" charset="-122"/>
+                <a:cs typeface="微软雅黑" panose="020B0503020204020204" charset="-122"/>
+              </a:rPr>
+              <a:t>评定纳税信用等级。</a:t>
             </a:r>
             <a:endParaRPr kumimoji="0" lang="zh-CN" altLang="zh-CN" sz="2000" i="0" u="none" strike="noStrike" kern="1200" cap="none" spc="0" normalizeH="0" baseline="0" noProof="1" dirty="0">
               <a:solidFill>
@@ -6971,13 +7251,46 @@
             <a:r>
               <a:rPr kumimoji="0" lang="zh-CN" altLang="zh-CN" sz="2000" i="0" u="none" strike="noStrike" kern="1200" cap="none" spc="0" normalizeH="0" baseline="0" noProof="1" dirty="0">
                 <a:solidFill>
+                  <a:srgbClr val="00B0F0"/>
+                </a:solidFill>
+                <a:latin typeface="微软雅黑" panose="020B0503020204020204" charset="-122"/>
+                <a:ea typeface="微软雅黑" panose="020B0503020204020204" charset="-122"/>
+                <a:cs typeface="微软雅黑" panose="020B0503020204020204" charset="-122"/>
+              </a:rPr>
+              <a:t>纳税信用记录</a:t>
+            </a:r>
+            <a:r>
+              <a:rPr kumimoji="0" lang="zh-CN" altLang="zh-CN" sz="2000" i="0" u="none" strike="noStrike" kern="1200" cap="none" spc="0" normalizeH="0" baseline="0" noProof="1" dirty="0">
+                <a:solidFill>
                   <a:srgbClr val="000000"/>
                 </a:solidFill>
                 <a:latin typeface="微软雅黑" panose="020B0503020204020204" charset="-122"/>
                 <a:ea typeface="微软雅黑" panose="020B0503020204020204" charset="-122"/>
                 <a:cs typeface="微软雅黑" panose="020B0503020204020204" charset="-122"/>
               </a:rPr>
-              <a:t>纳税信用记录将是纳税人开展业务便利的“通行证”。税务局对纳税人依信用状况实施分类管理，对优秀纳税人实施免除税务检查、简化纳税申报手续等措施，以鼓励依法诚信纳税，提高纳税遵从度。对严重失信的纳税人，将建立起“黑名单”制度，并把违法当事人有关信息向银行、市场监督管理等相关部门通报。</a:t>
+              <a:t>将是纳税人开展业务便利的“</a:t>
+            </a:r>
+            <a:r>
+              <a:rPr kumimoji="0" lang="zh-CN" altLang="zh-CN" sz="2000" i="0" u="none" strike="noStrike" kern="1200" cap="none" spc="0" normalizeH="0" baseline="0" noProof="1" dirty="0">
+                <a:solidFill>
+                  <a:srgbClr val="00B0F0"/>
+                </a:solidFill>
+                <a:latin typeface="微软雅黑" panose="020B0503020204020204" charset="-122"/>
+                <a:ea typeface="微软雅黑" panose="020B0503020204020204" charset="-122"/>
+                <a:cs typeface="微软雅黑" panose="020B0503020204020204" charset="-122"/>
+              </a:rPr>
+              <a:t>通行证</a:t>
+            </a:r>
+            <a:r>
+              <a:rPr kumimoji="0" lang="zh-CN" altLang="zh-CN" sz="2000" i="0" u="none" strike="noStrike" kern="1200" cap="none" spc="0" normalizeH="0" baseline="0" noProof="1" dirty="0">
+                <a:solidFill>
+                  <a:srgbClr val="000000"/>
+                </a:solidFill>
+                <a:latin typeface="微软雅黑" panose="020B0503020204020204" charset="-122"/>
+                <a:ea typeface="微软雅黑" panose="020B0503020204020204" charset="-122"/>
+                <a:cs typeface="微软雅黑" panose="020B0503020204020204" charset="-122"/>
+              </a:rPr>
+              <a:t>”。税务局对纳税人依信用状况实施分类管理，对优秀纳税人实施免除税务检查、简化纳税申报手续等措施，以鼓励依法诚信纳税，提高纳税遵从度。对严重失信的纳税人，将建立起“黑名单”制度，并把违法当事人有关信息向银行、市场监督管理等相关部门通报。</a:t>
             </a:r>
             <a:endParaRPr kumimoji="0" lang="zh-CN" altLang="zh-CN" sz="2000" i="0" u="none" strike="noStrike" kern="1200" cap="none" spc="0" normalizeH="0" baseline="0" noProof="1" dirty="0">
               <a:solidFill>
@@ -7091,7 +7404,29 @@
                 <a:ea typeface="微软雅黑" panose="020B0503020204020204" charset="-122"/>
                 <a:cs typeface="微软雅黑" panose="020B0503020204020204" charset="-122"/>
               </a:rPr>
-              <a:t>商务部的信用监管职责包括负责商务领域信用建设工作，制定发展规划，组织拟定法律法规和标准并组织实施。</a:t>
+              <a:t>商务部的信用监管职责包括</a:t>
+            </a:r>
+            <a:r>
+              <a:rPr kumimoji="0" lang="zh-CN" altLang="zh-CN" sz="2000" i="0" u="none" strike="noStrike" kern="1200" cap="none" spc="0" normalizeH="0" baseline="0" noProof="1" dirty="0">
+                <a:solidFill>
+                  <a:srgbClr val="00B0F0"/>
+                </a:solidFill>
+                <a:latin typeface="微软雅黑" panose="020B0503020204020204" charset="-122"/>
+                <a:ea typeface="微软雅黑" panose="020B0503020204020204" charset="-122"/>
+                <a:cs typeface="微软雅黑" panose="020B0503020204020204" charset="-122"/>
+              </a:rPr>
+              <a:t>负责商务领域信用建设工作</a:t>
+            </a:r>
+            <a:r>
+              <a:rPr kumimoji="0" lang="zh-CN" altLang="zh-CN" sz="2000" i="0" u="none" strike="noStrike" kern="1200" cap="none" spc="0" normalizeH="0" baseline="0" noProof="1" dirty="0">
+                <a:solidFill>
+                  <a:srgbClr val="000000"/>
+                </a:solidFill>
+                <a:latin typeface="微软雅黑" panose="020B0503020204020204" charset="-122"/>
+                <a:ea typeface="微软雅黑" panose="020B0503020204020204" charset="-122"/>
+                <a:cs typeface="微软雅黑" panose="020B0503020204020204" charset="-122"/>
+              </a:rPr>
+              <a:t>，制定发展规划，组织拟定法律法规和标准并组织实施。</a:t>
             </a:r>
             <a:endParaRPr kumimoji="0" lang="zh-CN" altLang="zh-CN" sz="2000" i="0" u="none" strike="noStrike" kern="1200" cap="none" spc="0" normalizeH="0" baseline="0" noProof="1" dirty="0">
               <a:solidFill>
@@ -12189,7 +12524,7 @@
         <p:spPr>
           <a:xfrm>
             <a:off x="838835" y="1816100"/>
-            <a:ext cx="10697845" cy="3122930"/>
+            <a:ext cx="10697845" cy="3399790"/>
           </a:xfrm>
           <a:prstGeom prst="rect">
             <a:avLst/>
@@ -12245,7 +12580,7 @@
             <a:r>
               <a:rPr lang="zh-CN" altLang="en-US">
                 <a:solidFill>
-                  <a:srgbClr val="FF0000"/>
+                  <a:srgbClr val="00B0F0"/>
                 </a:solidFill>
                 <a:latin typeface="微软雅黑" panose="020B0503020204020204" charset="-122"/>
                 <a:ea typeface="微软雅黑" panose="020B0503020204020204" charset="-122"/>
@@ -12264,7 +12599,7 @@
             <a:r>
               <a:rPr lang="zh-CN" altLang="en-US">
                 <a:solidFill>
-                  <a:srgbClr val="FF0000"/>
+                  <a:srgbClr val="00B0F0"/>
                 </a:solidFill>
                 <a:latin typeface="微软雅黑" panose="020B0503020204020204" charset="-122"/>
                 <a:ea typeface="微软雅黑" panose="020B0503020204020204" charset="-122"/>
@@ -12278,7 +12613,7 @@
                 <a:ea typeface="微软雅黑" panose="020B0503020204020204" charset="-122"/>
                 <a:cs typeface="微软雅黑" panose="020B0503020204020204" charset="-122"/>
               </a:rPr>
-              <a:t>，需要指定或建立一个部门，负责社会信用体系相关事务的监管。</a:t>
+              <a:t>，需要指定或建立一个部门，负责社会信用体系相关事务的监管。（信用中国：国家公共信用信息中心，官方信息汇总。发改委直属的公益一类事业单位）</a:t>
             </a:r>
             <a:endParaRPr lang="zh-CN" altLang="en-US">
               <a:latin typeface="微软雅黑" panose="020B0503020204020204" charset="-122"/>
@@ -12335,7 +12670,7 @@
             <a:r>
               <a:rPr lang="zh-CN" altLang="en-US">
                 <a:solidFill>
-                  <a:srgbClr val="FF0000"/>
+                  <a:srgbClr val="00B0F0"/>
                 </a:solidFill>
                 <a:latin typeface="微软雅黑" panose="020B0503020204020204" charset="-122"/>
                 <a:ea typeface="微软雅黑" panose="020B0503020204020204" charset="-122"/>
@@ -12356,7 +12691,7 @@
             <a:r>
               <a:rPr lang="zh-CN" altLang="en-US">
                 <a:solidFill>
-                  <a:srgbClr val="FF0000"/>
+                  <a:srgbClr val="00B0F0"/>
                 </a:solidFill>
                 <a:latin typeface="微软雅黑" panose="020B0503020204020204" charset="-122"/>
                 <a:ea typeface="微软雅黑" panose="020B0503020204020204" charset="-122"/>
@@ -12445,7 +12780,7 @@
             <a:r>
               <a:rPr lang="zh-CN" altLang="en-US">
                 <a:solidFill>
-                  <a:srgbClr val="FF0000"/>
+                  <a:srgbClr val="00B0F0"/>
                 </a:solidFill>
                 <a:latin typeface="微软雅黑" panose="020B0503020204020204" charset="-122"/>
                 <a:ea typeface="微软雅黑" panose="020B0503020204020204" charset="-122"/>
@@ -12500,7 +12835,7 @@
             <a:r>
               <a:rPr lang="zh-CN" altLang="en-US">
                 <a:solidFill>
-                  <a:srgbClr val="FF0000"/>
+                  <a:srgbClr val="00B0F0"/>
                 </a:solidFill>
                 <a:latin typeface="微软雅黑" panose="020B0503020204020204" charset="-122"/>
                 <a:ea typeface="微软雅黑" panose="020B0503020204020204" charset="-122"/>
@@ -12555,7 +12890,7 @@
             <a:r>
               <a:rPr lang="zh-CN" altLang="en-US">
                 <a:solidFill>
-                  <a:srgbClr val="FF0000"/>
+                  <a:srgbClr val="00B0F0"/>
                 </a:solidFill>
                 <a:latin typeface="微软雅黑" panose="020B0503020204020204" charset="-122"/>
                 <a:ea typeface="微软雅黑" panose="020B0503020204020204" charset="-122"/>
@@ -15681,7 +16016,7 @@
               <a:r>
                 <a:rPr lang="zh-CN" altLang="en-US" dirty="0">
                   <a:solidFill>
-                    <a:srgbClr val="FF0000"/>
+                    <a:srgbClr val="00B0F0"/>
                   </a:solidFill>
                   <a:latin typeface="微软雅黑" panose="020B0503020204020204" charset="-122"/>
                   <a:ea typeface="微软雅黑" panose="020B0503020204020204" charset="-122"/>
@@ -15690,7 +16025,7 @@
               </a:r>
               <a:endParaRPr lang="zh-CN" altLang="en-US" dirty="0">
                 <a:solidFill>
-                  <a:srgbClr val="FF0000"/>
+                  <a:srgbClr val="00B0F0"/>
                 </a:solidFill>
                 <a:latin typeface="微软雅黑" panose="020B0503020204020204" charset="-122"/>
                 <a:ea typeface="微软雅黑" panose="020B0503020204020204" charset="-122"/>
@@ -15746,7 +16081,7 @@
               <a:r>
                 <a:rPr lang="zh-CN" sz="2000" dirty="0">
                   <a:solidFill>
-                    <a:srgbClr val="FF0000"/>
+                    <a:srgbClr val="00B0F0"/>
                   </a:solidFill>
                   <a:latin typeface="微软雅黑" panose="020B0503020204020204" charset="-122"/>
                   <a:ea typeface="微软雅黑" panose="020B0503020204020204" charset="-122"/>
@@ -15796,7 +16131,7 @@
                 </a:rPr>
                 <a:t>具体包括：通过信贷登记制度，负责全社会信用规模与结构的日常监控；设立预警机制，对银行和企业信用异常状况进行监控，通过对消费信贷和个人信用的监管，规范消费信用行为；负责信用产品的日常监控；信用危机救助；信用数据服务等。</a:t>
               </a:r>
-              <a:endParaRPr lang="" altLang="zh-CN" sz="2000" dirty="0">
+              <a:endParaRPr lang="en-US" altLang="zh-CN" sz="2000" dirty="0">
                 <a:solidFill>
                   <a:srgbClr val="000000"/>
                 </a:solidFill>
@@ -17304,7 +17639,7 @@
                 <a:r>
                   <a:rPr lang="zh-CN" altLang="zh-CN" sz="2000" dirty="0">
                     <a:solidFill>
-                      <a:srgbClr val="0000FF"/>
+                      <a:schemeClr val="tx1"/>
                     </a:solidFill>
                     <a:latin typeface="微软雅黑" panose="020B0503020204020204" charset="-122"/>
                     <a:ea typeface="微软雅黑" panose="020B0503020204020204" charset="-122"/>
@@ -17412,7 +17747,7 @@
                 <a:r>
                   <a:rPr lang="zh-CN" altLang="zh-CN" sz="2000" dirty="0">
                     <a:solidFill>
-                      <a:srgbClr val="0000FF"/>
+                      <a:schemeClr val="tx1"/>
                     </a:solidFill>
                     <a:latin typeface="微软雅黑" panose="020B0503020204020204" charset="-122"/>
                     <a:ea typeface="微软雅黑" panose="020B0503020204020204" charset="-122"/>
@@ -17801,7 +18136,7 @@
                 <a:r>
                   <a:rPr lang="zh-CN" altLang="zh-CN" sz="2000" dirty="0">
                     <a:solidFill>
-                      <a:srgbClr val="0000FF"/>
+                      <a:schemeClr val="tx1"/>
                     </a:solidFill>
                     <a:latin typeface="微软雅黑" panose="020B0503020204020204" charset="-122"/>
                     <a:ea typeface="微软雅黑" panose="020B0503020204020204" charset="-122"/>
@@ -17845,7 +18180,7 @@
           <p:spPr>
             <a:xfrm>
               <a:off x="6329" y="3730"/>
-              <a:ext cx="2855" cy="4226"/>
+              <a:ext cx="2627" cy="4634"/>
             </a:xfrm>
             <a:prstGeom prst="rect">
               <a:avLst/>
@@ -17856,7 +18191,7 @@
             </a:ln>
           </p:spPr>
           <p:txBody>
-            <a:bodyPr anchor="t" anchorCtr="false">
+            <a:bodyPr wrap="square" anchor="t" anchorCtr="false">
               <a:spAutoFit/>
             </a:bodyPr>
             <a:p>
@@ -17874,7 +18209,7 @@
               <a:r>
                 <a:rPr lang="zh-CN" altLang="zh-CN" sz="2000" dirty="0">
                   <a:solidFill>
-                    <a:srgbClr val="0000FF"/>
+                    <a:schemeClr val="tx1"/>
                   </a:solidFill>
                   <a:latin typeface="微软雅黑" panose="020B0503020204020204" charset="-122"/>
                   <a:ea typeface="微软雅黑" panose="020B0503020204020204" charset="-122"/>
@@ -17883,7 +18218,7 @@
               </a:r>
               <a:endParaRPr lang="zh-CN" altLang="zh-CN" sz="2000" dirty="0">
                 <a:solidFill>
-                  <a:srgbClr val="0000FF"/>
+                  <a:schemeClr val="tx1"/>
                 </a:solidFill>
                 <a:latin typeface="微软雅黑" panose="020B0503020204020204" charset="-122"/>
                 <a:ea typeface="微软雅黑" panose="020B0503020204020204" charset="-122"/>
